--- a/presentasi_kevin_pbi.pptx
+++ b/presentasi_kevin_pbi.pptx
@@ -6101,7 +6101,7 @@
         <p:spPr>
           <a:xfrm rot="0">
             <a:off x="1028700" y="4031477"/>
-            <a:ext cx="9275954" cy="4096259"/>
+            <a:ext cx="9275954" cy="2724740"/>
           </a:xfrm>
           <a:prstGeom prst="rect">
             <a:avLst/>
@@ -6128,7 +6128,7 @@
                 <a:cs typeface="Montserrat Bold"/>
                 <a:sym typeface="Montserrat Bold"/>
               </a:rPr>
-              <a:t>Luarsekolah App</a:t>
+              <a:t>Luarsekolah App </a:t>
             </a:r>
             <a:r>
               <a:rPr lang="en-US" sz="2595">
@@ -6140,7 +6140,7 @@
                 <a:cs typeface="Montserrat"/>
                 <a:sym typeface="Montserrat"/>
               </a:rPr>
-              <a:t> adalah sebuah aplikasi mobile yang dirancang untuk memfasilitasi pengguna dalam mengakses pembelajaran sekaligus mengatur produktivitas mereka. Tujuan utama pembuatan aplikasi ini adalah menyediakan platform yang tidak hanya memungkinkan pengguna mengambil kelas (Course), tetapi juga membantu mereka disiplin melalui fitur manajemen tugas (Todo List) yang terintegrasi langsung dengan sistem pengingat.</a:t>
+              <a:t>adalah Proyek Akhir Project Based Internship saya di Luarsekolah. Aplikasi mobile ini mengintegrasikan fitur Pembelajaran (Course) dan Produktivitas (Todo List) dalam satu platform, bertujuan membantu pengguna mengakses materi sekaligus mengatur tugas secara disiplin.</a:t>
             </a:r>
           </a:p>
         </p:txBody>
